--- a/src/images/images.pptx
+++ b/src/images/images.pptx
@@ -11,6 +11,9 @@
     <p:sldId id="259" r:id="rId5"/>
     <p:sldId id="260" r:id="rId6"/>
     <p:sldId id="261" r:id="rId7"/>
+    <p:sldId id="262" r:id="rId8"/>
+    <p:sldId id="265" r:id="rId9"/>
+    <p:sldId id="267" r:id="rId10"/>
   </p:sldIdLst>
   <p:sldSz cx="12192000" cy="6858000"/>
   <p:notesSz cx="6858000" cy="9144000"/>
@@ -264,7 +267,7 @@
           <a:p>
             <a:fld id="{E96CF771-2666-4538-8D21-FD0FC9E4A524}" type="datetimeFigureOut">
               <a:rPr kumimoji="1" lang="ja-JP" altLang="en-US" smtClean="0"/>
-              <a:t>2022/4/30</a:t>
+              <a:t>2022/5/1</a:t>
             </a:fld>
             <a:endParaRPr kumimoji="1" lang="ja-JP" altLang="en-US"/>
           </a:p>
@@ -494,7 +497,7 @@
           <a:p>
             <a:fld id="{E96CF771-2666-4538-8D21-FD0FC9E4A524}" type="datetimeFigureOut">
               <a:rPr kumimoji="1" lang="ja-JP" altLang="en-US" smtClean="0"/>
-              <a:t>2022/4/30</a:t>
+              <a:t>2022/5/1</a:t>
             </a:fld>
             <a:endParaRPr kumimoji="1" lang="ja-JP" altLang="en-US"/>
           </a:p>
@@ -734,7 +737,7 @@
           <a:p>
             <a:fld id="{E96CF771-2666-4538-8D21-FD0FC9E4A524}" type="datetimeFigureOut">
               <a:rPr kumimoji="1" lang="ja-JP" altLang="en-US" smtClean="0"/>
-              <a:t>2022/4/30</a:t>
+              <a:t>2022/5/1</a:t>
             </a:fld>
             <a:endParaRPr kumimoji="1" lang="ja-JP" altLang="en-US"/>
           </a:p>
@@ -964,7 +967,7 @@
           <a:p>
             <a:fld id="{E96CF771-2666-4538-8D21-FD0FC9E4A524}" type="datetimeFigureOut">
               <a:rPr kumimoji="1" lang="ja-JP" altLang="en-US" smtClean="0"/>
-              <a:t>2022/4/30</a:t>
+              <a:t>2022/5/1</a:t>
             </a:fld>
             <a:endParaRPr kumimoji="1" lang="ja-JP" altLang="en-US"/>
           </a:p>
@@ -1239,7 +1242,7 @@
           <a:p>
             <a:fld id="{E96CF771-2666-4538-8D21-FD0FC9E4A524}" type="datetimeFigureOut">
               <a:rPr kumimoji="1" lang="ja-JP" altLang="en-US" smtClean="0"/>
-              <a:t>2022/4/30</a:t>
+              <a:t>2022/5/1</a:t>
             </a:fld>
             <a:endParaRPr kumimoji="1" lang="ja-JP" altLang="en-US"/>
           </a:p>
@@ -1568,7 +1571,7 @@
           <a:p>
             <a:fld id="{E96CF771-2666-4538-8D21-FD0FC9E4A524}" type="datetimeFigureOut">
               <a:rPr kumimoji="1" lang="ja-JP" altLang="en-US" smtClean="0"/>
-              <a:t>2022/4/30</a:t>
+              <a:t>2022/5/1</a:t>
             </a:fld>
             <a:endParaRPr kumimoji="1" lang="ja-JP" altLang="en-US"/>
           </a:p>
@@ -2044,7 +2047,7 @@
           <a:p>
             <a:fld id="{E96CF771-2666-4538-8D21-FD0FC9E4A524}" type="datetimeFigureOut">
               <a:rPr kumimoji="1" lang="ja-JP" altLang="en-US" smtClean="0"/>
-              <a:t>2022/4/30</a:t>
+              <a:t>2022/5/1</a:t>
             </a:fld>
             <a:endParaRPr kumimoji="1" lang="ja-JP" altLang="en-US"/>
           </a:p>
@@ -2185,7 +2188,7 @@
           <a:p>
             <a:fld id="{E96CF771-2666-4538-8D21-FD0FC9E4A524}" type="datetimeFigureOut">
               <a:rPr kumimoji="1" lang="ja-JP" altLang="en-US" smtClean="0"/>
-              <a:t>2022/4/30</a:t>
+              <a:t>2022/5/1</a:t>
             </a:fld>
             <a:endParaRPr kumimoji="1" lang="ja-JP" altLang="en-US"/>
           </a:p>
@@ -2298,7 +2301,7 @@
           <a:p>
             <a:fld id="{E96CF771-2666-4538-8D21-FD0FC9E4A524}" type="datetimeFigureOut">
               <a:rPr kumimoji="1" lang="ja-JP" altLang="en-US" smtClean="0"/>
-              <a:t>2022/4/30</a:t>
+              <a:t>2022/5/1</a:t>
             </a:fld>
             <a:endParaRPr kumimoji="1" lang="ja-JP" altLang="en-US"/>
           </a:p>
@@ -2641,7 +2644,7 @@
           <a:p>
             <a:fld id="{E96CF771-2666-4538-8D21-FD0FC9E4A524}" type="datetimeFigureOut">
               <a:rPr kumimoji="1" lang="ja-JP" altLang="en-US" smtClean="0"/>
-              <a:t>2022/4/30</a:t>
+              <a:t>2022/5/1</a:t>
             </a:fld>
             <a:endParaRPr kumimoji="1" lang="ja-JP" altLang="en-US"/>
           </a:p>
@@ -2929,7 +2932,7 @@
           <a:p>
             <a:fld id="{E96CF771-2666-4538-8D21-FD0FC9E4A524}" type="datetimeFigureOut">
               <a:rPr kumimoji="1" lang="ja-JP" altLang="en-US" smtClean="0"/>
-              <a:t>2022/4/30</a:t>
+              <a:t>2022/5/1</a:t>
             </a:fld>
             <a:endParaRPr kumimoji="1" lang="ja-JP" altLang="en-US"/>
           </a:p>
@@ -3202,7 +3205,7 @@
           <a:p>
             <a:fld id="{E96CF771-2666-4538-8D21-FD0FC9E4A524}" type="datetimeFigureOut">
               <a:rPr kumimoji="1" lang="ja-JP" altLang="en-US" smtClean="0"/>
-              <a:t>2022/4/30</a:t>
+              <a:t>2022/5/1</a:t>
             </a:fld>
             <a:endParaRPr kumimoji="1" lang="ja-JP" altLang="en-US"/>
           </a:p>
@@ -6608,10 +6611,10 @@
       </p:grpSpPr>
       <p:pic>
         <p:nvPicPr>
-          <p:cNvPr id="4" name="図 3">
-            <a:extLst>
-              <a:ext uri="{FF2B5EF4-FFF2-40B4-BE49-F238E27FC236}">
-                <a16:creationId xmlns:a16="http://schemas.microsoft.com/office/drawing/2014/main" id="{045D4115-D9CE-45A6-83EF-E3C57965B776}"/>
+          <p:cNvPr id="8" name="図 7">
+            <a:extLst>
+              <a:ext uri="{FF2B5EF4-FFF2-40B4-BE49-F238E27FC236}">
+                <a16:creationId xmlns:a16="http://schemas.microsoft.com/office/drawing/2014/main" id="{D2BEB4FA-D0ED-4475-ABA6-FC920DC6AE64}"/>
               </a:ext>
             </a:extLst>
           </p:cNvPr>
@@ -6628,8 +6631,8 @@
         </p:blipFill>
         <p:spPr>
           <a:xfrm>
-            <a:off x="-67024" y="190337"/>
-            <a:ext cx="12192000" cy="2695252"/>
+            <a:off x="-167561" y="1741749"/>
+            <a:ext cx="12192000" cy="2665962"/>
           </a:xfrm>
           <a:prstGeom prst="rect">
             <a:avLst/>
@@ -6641,12 +6644,334 @@
           </a:ln>
         </p:spPr>
       </p:pic>
+    </p:spTree>
+    <p:extLst>
+      <p:ext uri="{BB962C8B-B14F-4D97-AF65-F5344CB8AC3E}">
+        <p14:creationId xmlns:p14="http://schemas.microsoft.com/office/powerpoint/2010/main" val="3060607568"/>
+      </p:ext>
+    </p:extLst>
+  </p:cSld>
+  <p:clrMapOvr>
+    <a:masterClrMapping/>
+  </p:clrMapOvr>
+</p:sld>
+</file>
+
+<file path=ppt/slides/slide7.xml><?xml version="1.0" encoding="utf-8"?>
+<p:sld xmlns:a="http://schemas.openxmlformats.org/drawingml/2006/main" xmlns:r="http://schemas.openxmlformats.org/officeDocument/2006/relationships" xmlns:p="http://schemas.openxmlformats.org/presentationml/2006/main">
+  <p:cSld>
+    <p:spTree>
+      <p:nvGrpSpPr>
+        <p:cNvPr id="1" name=""/>
+        <p:cNvGrpSpPr/>
+        <p:nvPr/>
+      </p:nvGrpSpPr>
+      <p:grpSpPr>
+        <a:xfrm>
+          <a:off x="0" y="0"/>
+          <a:ext cx="0" cy="0"/>
+          <a:chOff x="0" y="0"/>
+          <a:chExt cx="0" cy="0"/>
+        </a:xfrm>
+      </p:grpSpPr>
+      <p:sp>
+        <p:nvSpPr>
+          <p:cNvPr id="16" name="正方形/長方形 15">
+            <a:extLst>
+              <a:ext uri="{FF2B5EF4-FFF2-40B4-BE49-F238E27FC236}">
+                <a16:creationId xmlns:a16="http://schemas.microsoft.com/office/drawing/2014/main" id="{015FCA04-8BE9-0E5F-5013-5BE7F84D3163}"/>
+              </a:ext>
+            </a:extLst>
+          </p:cNvPr>
+          <p:cNvSpPr/>
+          <p:nvPr/>
+        </p:nvSpPr>
+        <p:spPr>
+          <a:xfrm>
+            <a:off x="346133" y="387202"/>
+            <a:ext cx="11802940" cy="6184828"/>
+          </a:xfrm>
+          <a:prstGeom prst="rect">
+            <a:avLst/>
+          </a:prstGeom>
+          <a:solidFill>
+            <a:schemeClr val="bg1"/>
+          </a:solidFill>
+        </p:spPr>
+        <p:style>
+          <a:lnRef idx="2">
+            <a:schemeClr val="dk1">
+              <a:shade val="50000"/>
+            </a:schemeClr>
+          </a:lnRef>
+          <a:fillRef idx="1">
+            <a:schemeClr val="dk1"/>
+          </a:fillRef>
+          <a:effectRef idx="0">
+            <a:schemeClr val="dk1"/>
+          </a:effectRef>
+          <a:fontRef idx="minor">
+            <a:schemeClr val="lt1"/>
+          </a:fontRef>
+        </p:style>
+        <p:txBody>
+          <a:bodyPr rtlCol="0" anchor="ctr"/>
+          <a:lstStyle/>
+          <a:p>
+            <a:pPr algn="ctr"/>
+            <a:endParaRPr kumimoji="1" lang="ja-JP" altLang="en-US"/>
+          </a:p>
+        </p:txBody>
+      </p:sp>
       <p:pic>
         <p:nvPicPr>
-          <p:cNvPr id="6" name="図 5">
-            <a:extLst>
-              <a:ext uri="{FF2B5EF4-FFF2-40B4-BE49-F238E27FC236}">
-                <a16:creationId xmlns:a16="http://schemas.microsoft.com/office/drawing/2014/main" id="{4777CA3E-B1B5-4177-B81D-C260F5F4837C}"/>
+          <p:cNvPr id="18" name="図 17">
+            <a:extLst>
+              <a:ext uri="{FF2B5EF4-FFF2-40B4-BE49-F238E27FC236}">
+                <a16:creationId xmlns:a16="http://schemas.microsoft.com/office/drawing/2014/main" id="{250D0211-5752-B7F9-3762-E45783A52229}"/>
+              </a:ext>
+            </a:extLst>
+          </p:cNvPr>
+          <p:cNvPicPr>
+            <a:picLocks noChangeAspect="1"/>
+          </p:cNvPicPr>
+          <p:nvPr/>
+        </p:nvPicPr>
+        <p:blipFill>
+          <a:blip r:embed="rId2"/>
+          <a:stretch>
+            <a:fillRect/>
+          </a:stretch>
+        </p:blipFill>
+        <p:spPr>
+          <a:xfrm>
+            <a:off x="2408061" y="1404784"/>
+            <a:ext cx="3895725" cy="4905375"/>
+          </a:xfrm>
+          <a:prstGeom prst="rect">
+            <a:avLst/>
+          </a:prstGeom>
+          <a:ln>
+            <a:solidFill>
+              <a:schemeClr val="tx1"/>
+            </a:solidFill>
+          </a:ln>
+        </p:spPr>
+      </p:pic>
+      <p:sp>
+        <p:nvSpPr>
+          <p:cNvPr id="8" name="テキスト ボックス 7">
+            <a:extLst>
+              <a:ext uri="{FF2B5EF4-FFF2-40B4-BE49-F238E27FC236}">
+                <a16:creationId xmlns:a16="http://schemas.microsoft.com/office/drawing/2014/main" id="{BB8D884A-4E37-48E0-9FA8-5F1C2A9886E2}"/>
+              </a:ext>
+            </a:extLst>
+          </p:cNvPr>
+          <p:cNvSpPr txBox="1"/>
+          <p:nvPr/>
+        </p:nvSpPr>
+        <p:spPr>
+          <a:xfrm>
+            <a:off x="2381604" y="696536"/>
+            <a:ext cx="3514930" cy="646331"/>
+          </a:xfrm>
+          <a:prstGeom prst="rect">
+            <a:avLst/>
+          </a:prstGeom>
+          <a:noFill/>
+        </p:spPr>
+        <p:txBody>
+          <a:bodyPr wrap="square" rtlCol="0">
+            <a:spAutoFit/>
+          </a:bodyPr>
+          <a:lstStyle/>
+          <a:p>
+            <a:r>
+              <a:rPr lang="en-US" altLang="ja-JP" dirty="0"/>
+              <a:t>// </a:t>
+            </a:r>
+            <a:r>
+              <a:rPr lang="ja-JP" altLang="en-US" dirty="0"/>
+              <a:t>変数に値を代入</a:t>
+            </a:r>
+            <a:endParaRPr kumimoji="1" lang="en-US" altLang="ja-JP" dirty="0"/>
+          </a:p>
+          <a:p>
+            <a:r>
+              <a:rPr kumimoji="1" lang="en-US" altLang="ja-JP" dirty="0"/>
+              <a:t>$name = ‘</a:t>
+            </a:r>
+            <a:r>
+              <a:rPr kumimoji="1" lang="en-US" altLang="ja-JP" dirty="0" err="1"/>
+              <a:t>saburo</a:t>
+            </a:r>
+            <a:r>
+              <a:rPr kumimoji="1" lang="en-US" altLang="ja-JP" dirty="0"/>
+              <a:t>’;</a:t>
+            </a:r>
+            <a:endParaRPr kumimoji="1" lang="ja-JP" altLang="en-US" dirty="0"/>
+          </a:p>
+        </p:txBody>
+      </p:sp>
+      <p:sp>
+        <p:nvSpPr>
+          <p:cNvPr id="11" name="矢印: 下カーブ 10">
+            <a:extLst>
+              <a:ext uri="{FF2B5EF4-FFF2-40B4-BE49-F238E27FC236}">
+                <a16:creationId xmlns:a16="http://schemas.microsoft.com/office/drawing/2014/main" id="{6EBEFFC9-F965-3F46-1E83-E3D58C42DD71}"/>
+              </a:ext>
+            </a:extLst>
+          </p:cNvPr>
+          <p:cNvSpPr/>
+          <p:nvPr/>
+        </p:nvSpPr>
+        <p:spPr>
+          <a:xfrm rot="16200000" flipH="1">
+            <a:off x="241280" y="1308153"/>
+            <a:ext cx="2467932" cy="1579876"/>
+          </a:xfrm>
+          <a:prstGeom prst="curvedDownArrow">
+            <a:avLst/>
+          </a:prstGeom>
+        </p:spPr>
+        <p:style>
+          <a:lnRef idx="2">
+            <a:schemeClr val="accent1">
+              <a:shade val="50000"/>
+            </a:schemeClr>
+          </a:lnRef>
+          <a:fillRef idx="1">
+            <a:schemeClr val="accent1"/>
+          </a:fillRef>
+          <a:effectRef idx="0">
+            <a:schemeClr val="accent1"/>
+          </a:effectRef>
+          <a:fontRef idx="minor">
+            <a:schemeClr val="lt1"/>
+          </a:fontRef>
+        </p:style>
+        <p:txBody>
+          <a:bodyPr rtlCol="0" anchor="ctr"/>
+          <a:lstStyle/>
+          <a:p>
+            <a:pPr algn="ctr"/>
+            <a:endParaRPr kumimoji="1" lang="ja-JP" altLang="en-US" dirty="0">
+              <a:solidFill>
+                <a:schemeClr val="tx1"/>
+              </a:solidFill>
+            </a:endParaRPr>
+          </a:p>
+        </p:txBody>
+      </p:sp>
+      <p:sp>
+        <p:nvSpPr>
+          <p:cNvPr id="12" name="テキスト ボックス 11">
+            <a:extLst>
+              <a:ext uri="{FF2B5EF4-FFF2-40B4-BE49-F238E27FC236}">
+                <a16:creationId xmlns:a16="http://schemas.microsoft.com/office/drawing/2014/main" id="{5DEAA572-3BD7-4A4F-3D83-C9D6C6A35A4D}"/>
+              </a:ext>
+            </a:extLst>
+          </p:cNvPr>
+          <p:cNvSpPr txBox="1"/>
+          <p:nvPr/>
+        </p:nvSpPr>
+        <p:spPr>
+          <a:xfrm>
+            <a:off x="2561837" y="2607757"/>
+            <a:ext cx="971290" cy="338554"/>
+          </a:xfrm>
+          <a:prstGeom prst="rect">
+            <a:avLst/>
+          </a:prstGeom>
+          <a:noFill/>
+        </p:spPr>
+        <p:txBody>
+          <a:bodyPr wrap="square" rtlCol="0">
+            <a:spAutoFit/>
+          </a:bodyPr>
+          <a:lstStyle/>
+          <a:p>
+            <a:r>
+              <a:rPr kumimoji="1" lang="en-US" altLang="ja-JP" sz="1600" dirty="0">
+                <a:solidFill>
+                  <a:srgbClr val="FF0000"/>
+                </a:solidFill>
+              </a:rPr>
+              <a:t>‘</a:t>
+            </a:r>
+            <a:r>
+              <a:rPr kumimoji="1" lang="en-US" altLang="ja-JP" sz="1600" dirty="0" err="1">
+                <a:solidFill>
+                  <a:srgbClr val="FF0000"/>
+                </a:solidFill>
+              </a:rPr>
+              <a:t>saburo</a:t>
+            </a:r>
+            <a:r>
+              <a:rPr kumimoji="1" lang="en-US" altLang="ja-JP" sz="1600" dirty="0">
+                <a:solidFill>
+                  <a:srgbClr val="FF0000"/>
+                </a:solidFill>
+              </a:rPr>
+              <a:t>’</a:t>
+            </a:r>
+            <a:endParaRPr kumimoji="1" lang="ja-JP" altLang="en-US" sz="1600" dirty="0">
+              <a:solidFill>
+                <a:srgbClr val="FF0000"/>
+              </a:solidFill>
+            </a:endParaRPr>
+          </a:p>
+        </p:txBody>
+      </p:sp>
+      <p:sp>
+        <p:nvSpPr>
+          <p:cNvPr id="15" name="テキスト ボックス 14">
+            <a:extLst>
+              <a:ext uri="{FF2B5EF4-FFF2-40B4-BE49-F238E27FC236}">
+                <a16:creationId xmlns:a16="http://schemas.microsoft.com/office/drawing/2014/main" id="{22E493D8-4F38-45B6-F190-D488671D4017}"/>
+              </a:ext>
+            </a:extLst>
+          </p:cNvPr>
+          <p:cNvSpPr txBox="1"/>
+          <p:nvPr/>
+        </p:nvSpPr>
+        <p:spPr>
+          <a:xfrm>
+            <a:off x="622306" y="3390359"/>
+            <a:ext cx="1705880" cy="646331"/>
+          </a:xfrm>
+          <a:prstGeom prst="rect">
+            <a:avLst/>
+          </a:prstGeom>
+          <a:noFill/>
+        </p:spPr>
+        <p:txBody>
+          <a:bodyPr wrap="square" rtlCol="0">
+            <a:spAutoFit/>
+          </a:bodyPr>
+          <a:lstStyle/>
+          <a:p>
+            <a:r>
+              <a:rPr lang="ja-JP" altLang="en-US" dirty="0"/>
+              <a:t>メモリ領域に</a:t>
+            </a:r>
+            <a:endParaRPr lang="en-US" altLang="ja-JP" dirty="0"/>
+          </a:p>
+          <a:p>
+            <a:r>
+              <a:rPr lang="ja-JP" altLang="en-US" dirty="0"/>
+              <a:t>保存される</a:t>
+            </a:r>
+            <a:endParaRPr kumimoji="1" lang="ja-JP" altLang="en-US" dirty="0"/>
+          </a:p>
+        </p:txBody>
+      </p:sp>
+      <p:pic>
+        <p:nvPicPr>
+          <p:cNvPr id="20" name="図 19">
+            <a:extLst>
+              <a:ext uri="{FF2B5EF4-FFF2-40B4-BE49-F238E27FC236}">
+                <a16:creationId xmlns:a16="http://schemas.microsoft.com/office/drawing/2014/main" id="{2300E935-D2A6-5016-D7D0-DD528D57E9CB}"/>
               </a:ext>
             </a:extLst>
           </p:cNvPr>
@@ -6663,25 +6988,292 @@
         </p:blipFill>
         <p:spPr>
           <a:xfrm>
-            <a:off x="-67024" y="42224"/>
-            <a:ext cx="12192000" cy="2656358"/>
+            <a:off x="8089541" y="1404784"/>
+            <a:ext cx="3755214" cy="3932880"/>
           </a:xfrm>
           <a:prstGeom prst="rect">
             <a:avLst/>
           </a:prstGeom>
-          <a:ln w="19050">
+          <a:ln>
             <a:solidFill>
-              <a:schemeClr val="bg1"/>
+              <a:schemeClr val="tx1"/>
             </a:solidFill>
           </a:ln>
         </p:spPr>
       </p:pic>
+      <p:sp>
+        <p:nvSpPr>
+          <p:cNvPr id="21" name="テキスト ボックス 20">
+            <a:extLst>
+              <a:ext uri="{FF2B5EF4-FFF2-40B4-BE49-F238E27FC236}">
+                <a16:creationId xmlns:a16="http://schemas.microsoft.com/office/drawing/2014/main" id="{51D706ED-5600-CABF-812E-A74CB0161BBA}"/>
+              </a:ext>
+            </a:extLst>
+          </p:cNvPr>
+          <p:cNvSpPr txBox="1"/>
+          <p:nvPr/>
+        </p:nvSpPr>
+        <p:spPr>
+          <a:xfrm>
+            <a:off x="8131001" y="1895302"/>
+            <a:ext cx="2657266" cy="338554"/>
+          </a:xfrm>
+          <a:prstGeom prst="rect">
+            <a:avLst/>
+          </a:prstGeom>
+          <a:noFill/>
+        </p:spPr>
+        <p:txBody>
+          <a:bodyPr wrap="square" rtlCol="0">
+            <a:spAutoFit/>
+          </a:bodyPr>
+          <a:lstStyle/>
+          <a:p>
+            <a:r>
+              <a:rPr lang="en-US" altLang="ja-JP" sz="1600" dirty="0">
+                <a:solidFill>
+                  <a:srgbClr val="FF0000"/>
+                </a:solidFill>
+              </a:rPr>
+              <a:t>$name: #0001 </a:t>
+            </a:r>
+            <a:r>
+              <a:rPr lang="ja-JP" altLang="en-US" sz="1600" dirty="0">
+                <a:solidFill>
+                  <a:srgbClr val="FF0000"/>
+                </a:solidFill>
+              </a:rPr>
+              <a:t>を利用</a:t>
+            </a:r>
+            <a:endParaRPr lang="en-US" altLang="ja-JP" sz="1600" dirty="0">
+              <a:solidFill>
+                <a:srgbClr val="FF0000"/>
+              </a:solidFill>
+            </a:endParaRPr>
+          </a:p>
+        </p:txBody>
+      </p:sp>
+      <p:sp>
+        <p:nvSpPr>
+          <p:cNvPr id="22" name="矢印: 右 21">
+            <a:extLst>
+              <a:ext uri="{FF2B5EF4-FFF2-40B4-BE49-F238E27FC236}">
+                <a16:creationId xmlns:a16="http://schemas.microsoft.com/office/drawing/2014/main" id="{84A77B66-0D68-799B-A398-B19862EB1671}"/>
+              </a:ext>
+            </a:extLst>
+          </p:cNvPr>
+          <p:cNvSpPr/>
+          <p:nvPr/>
+        </p:nvSpPr>
+        <p:spPr>
+          <a:xfrm>
+            <a:off x="6561428" y="3028922"/>
+            <a:ext cx="1270470" cy="684603"/>
+          </a:xfrm>
+          <a:prstGeom prst="rightArrow">
+            <a:avLst/>
+          </a:prstGeom>
+        </p:spPr>
+        <p:style>
+          <a:lnRef idx="2">
+            <a:schemeClr val="accent1">
+              <a:shade val="50000"/>
+            </a:schemeClr>
+          </a:lnRef>
+          <a:fillRef idx="1">
+            <a:schemeClr val="accent1"/>
+          </a:fillRef>
+          <a:effectRef idx="0">
+            <a:schemeClr val="accent1"/>
+          </a:effectRef>
+          <a:fontRef idx="minor">
+            <a:schemeClr val="lt1"/>
+          </a:fontRef>
+        </p:style>
+        <p:txBody>
+          <a:bodyPr rtlCol="0" anchor="ctr"/>
+          <a:lstStyle/>
+          <a:p>
+            <a:pPr algn="ctr"/>
+            <a:endParaRPr kumimoji="1" lang="ja-JP" altLang="en-US"/>
+          </a:p>
+        </p:txBody>
+      </p:sp>
+      <p:sp>
+        <p:nvSpPr>
+          <p:cNvPr id="23" name="テキスト ボックス 22">
+            <a:extLst>
+              <a:ext uri="{FF2B5EF4-FFF2-40B4-BE49-F238E27FC236}">
+                <a16:creationId xmlns:a16="http://schemas.microsoft.com/office/drawing/2014/main" id="{8C20F930-E1AF-981A-A000-1CC49367AE8A}"/>
+              </a:ext>
+            </a:extLst>
+          </p:cNvPr>
+          <p:cNvSpPr txBox="1"/>
+          <p:nvPr/>
+        </p:nvSpPr>
+        <p:spPr>
+          <a:xfrm>
+            <a:off x="6338563" y="3775638"/>
+            <a:ext cx="1750978" cy="646331"/>
+          </a:xfrm>
+          <a:prstGeom prst="rect">
+            <a:avLst/>
+          </a:prstGeom>
+          <a:noFill/>
+        </p:spPr>
+        <p:txBody>
+          <a:bodyPr wrap="square" rtlCol="0">
+            <a:spAutoFit/>
+          </a:bodyPr>
+          <a:lstStyle/>
+          <a:p>
+            <a:pPr algn="ctr"/>
+            <a:r>
+              <a:rPr lang="ja-JP" altLang="en-US" dirty="0"/>
+              <a:t>保存された</a:t>
+            </a:r>
+            <a:endParaRPr lang="en-US" altLang="ja-JP" dirty="0"/>
+          </a:p>
+          <a:p>
+            <a:pPr algn="ctr"/>
+            <a:r>
+              <a:rPr lang="en-US" altLang="ja-JP" dirty="0"/>
+              <a:t>ID</a:t>
+            </a:r>
+            <a:r>
+              <a:rPr lang="ja-JP" altLang="en-US" dirty="0"/>
+              <a:t>を管理</a:t>
+            </a:r>
+            <a:endParaRPr kumimoji="1" lang="ja-JP" altLang="en-US" dirty="0"/>
+          </a:p>
+        </p:txBody>
+      </p:sp>
+      <p:sp>
+        <p:nvSpPr>
+          <p:cNvPr id="34" name="テキスト ボックス 33">
+            <a:extLst>
+              <a:ext uri="{FF2B5EF4-FFF2-40B4-BE49-F238E27FC236}">
+                <a16:creationId xmlns:a16="http://schemas.microsoft.com/office/drawing/2014/main" id="{8E12A20F-73F0-A0F4-6BDC-05BF59092F21}"/>
+              </a:ext>
+            </a:extLst>
+          </p:cNvPr>
+          <p:cNvSpPr txBox="1"/>
+          <p:nvPr/>
+        </p:nvSpPr>
+        <p:spPr>
+          <a:xfrm>
+            <a:off x="8131001" y="1438293"/>
+            <a:ext cx="3678975" cy="369332"/>
+          </a:xfrm>
+          <a:prstGeom prst="rect">
+            <a:avLst/>
+          </a:prstGeom>
+          <a:solidFill>
+            <a:schemeClr val="accent6">
+              <a:lumMod val="20000"/>
+              <a:lumOff val="80000"/>
+            </a:schemeClr>
+          </a:solidFill>
+        </p:spPr>
+        <p:txBody>
+          <a:bodyPr wrap="square" rtlCol="0">
+            <a:spAutoFit/>
+          </a:bodyPr>
+          <a:lstStyle/>
+          <a:p>
+            <a:pPr algn="ctr"/>
+            <a:r>
+              <a:rPr kumimoji="1" lang="ja-JP" altLang="en-US" dirty="0"/>
+              <a:t>メモリの管理</a:t>
+            </a:r>
+          </a:p>
+        </p:txBody>
+      </p:sp>
+    </p:spTree>
+    <p:extLst>
+      <p:ext uri="{BB962C8B-B14F-4D97-AF65-F5344CB8AC3E}">
+        <p14:creationId xmlns:p14="http://schemas.microsoft.com/office/powerpoint/2010/main" val="1040317115"/>
+      </p:ext>
+    </p:extLst>
+  </p:cSld>
+  <p:clrMapOvr>
+    <a:masterClrMapping/>
+  </p:clrMapOvr>
+</p:sld>
+</file>
+
+<file path=ppt/slides/slide8.xml><?xml version="1.0" encoding="utf-8"?>
+<p:sld xmlns:a="http://schemas.openxmlformats.org/drawingml/2006/main" xmlns:r="http://schemas.openxmlformats.org/officeDocument/2006/relationships" xmlns:p="http://schemas.openxmlformats.org/presentationml/2006/main">
+  <p:cSld>
+    <p:spTree>
+      <p:nvGrpSpPr>
+        <p:cNvPr id="1" name=""/>
+        <p:cNvGrpSpPr/>
+        <p:nvPr/>
+      </p:nvGrpSpPr>
+      <p:grpSpPr>
+        <a:xfrm>
+          <a:off x="0" y="0"/>
+          <a:ext cx="0" cy="0"/>
+          <a:chOff x="0" y="0"/>
+          <a:chExt cx="0" cy="0"/>
+        </a:xfrm>
+      </p:grpSpPr>
+      <p:sp>
+        <p:nvSpPr>
+          <p:cNvPr id="16" name="正方形/長方形 15">
+            <a:extLst>
+              <a:ext uri="{FF2B5EF4-FFF2-40B4-BE49-F238E27FC236}">
+                <a16:creationId xmlns:a16="http://schemas.microsoft.com/office/drawing/2014/main" id="{015FCA04-8BE9-0E5F-5013-5BE7F84D3163}"/>
+              </a:ext>
+            </a:extLst>
+          </p:cNvPr>
+          <p:cNvSpPr/>
+          <p:nvPr/>
+        </p:nvSpPr>
+        <p:spPr>
+          <a:xfrm>
+            <a:off x="346133" y="387202"/>
+            <a:ext cx="11802940" cy="6184828"/>
+          </a:xfrm>
+          <a:prstGeom prst="rect">
+            <a:avLst/>
+          </a:prstGeom>
+          <a:solidFill>
+            <a:schemeClr val="bg1"/>
+          </a:solidFill>
+        </p:spPr>
+        <p:style>
+          <a:lnRef idx="2">
+            <a:schemeClr val="dk1">
+              <a:shade val="50000"/>
+            </a:schemeClr>
+          </a:lnRef>
+          <a:fillRef idx="1">
+            <a:schemeClr val="dk1"/>
+          </a:fillRef>
+          <a:effectRef idx="0">
+            <a:schemeClr val="dk1"/>
+          </a:effectRef>
+          <a:fontRef idx="minor">
+            <a:schemeClr val="lt1"/>
+          </a:fontRef>
+        </p:style>
+        <p:txBody>
+          <a:bodyPr rtlCol="0" anchor="ctr"/>
+          <a:lstStyle/>
+          <a:p>
+            <a:pPr algn="ctr"/>
+            <a:endParaRPr kumimoji="1" lang="ja-JP" altLang="en-US"/>
+          </a:p>
+        </p:txBody>
+      </p:sp>
       <p:pic>
         <p:nvPicPr>
-          <p:cNvPr id="8" name="図 7">
-            <a:extLst>
-              <a:ext uri="{FF2B5EF4-FFF2-40B4-BE49-F238E27FC236}">
-                <a16:creationId xmlns:a16="http://schemas.microsoft.com/office/drawing/2014/main" id="{D2BEB4FA-D0ED-4475-ABA6-FC920DC6AE64}"/>
+          <p:cNvPr id="18" name="図 17">
+            <a:extLst>
+              <a:ext uri="{FF2B5EF4-FFF2-40B4-BE49-F238E27FC236}">
+                <a16:creationId xmlns:a16="http://schemas.microsoft.com/office/drawing/2014/main" id="{250D0211-5752-B7F9-3762-E45783A52229}"/>
               </a:ext>
             </a:extLst>
           </p:cNvPr>
@@ -6691,30 +7283,1267 @@
           <p:nvPr/>
         </p:nvPicPr>
         <p:blipFill>
-          <a:blip r:embed="rId4"/>
+          <a:blip r:embed="rId2"/>
           <a:stretch>
             <a:fillRect/>
           </a:stretch>
         </p:blipFill>
         <p:spPr>
           <a:xfrm>
-            <a:off x="0" y="2096019"/>
-            <a:ext cx="12192000" cy="2665962"/>
+            <a:off x="2408061" y="1404784"/>
+            <a:ext cx="3895725" cy="4905375"/>
           </a:xfrm>
           <a:prstGeom prst="rect">
             <a:avLst/>
           </a:prstGeom>
-          <a:ln w="19050">
+          <a:ln>
             <a:solidFill>
-              <a:schemeClr val="bg1"/>
+              <a:schemeClr val="tx1"/>
             </a:solidFill>
           </a:ln>
         </p:spPr>
       </p:pic>
+      <p:sp>
+        <p:nvSpPr>
+          <p:cNvPr id="8" name="テキスト ボックス 7">
+            <a:extLst>
+              <a:ext uri="{FF2B5EF4-FFF2-40B4-BE49-F238E27FC236}">
+                <a16:creationId xmlns:a16="http://schemas.microsoft.com/office/drawing/2014/main" id="{BB8D884A-4E37-48E0-9FA8-5F1C2A9886E2}"/>
+              </a:ext>
+            </a:extLst>
+          </p:cNvPr>
+          <p:cNvSpPr txBox="1"/>
+          <p:nvPr/>
+        </p:nvSpPr>
+        <p:spPr>
+          <a:xfrm>
+            <a:off x="2381603" y="696536"/>
+            <a:ext cx="4555389" cy="646331"/>
+          </a:xfrm>
+          <a:prstGeom prst="rect">
+            <a:avLst/>
+          </a:prstGeom>
+          <a:noFill/>
+        </p:spPr>
+        <p:txBody>
+          <a:bodyPr wrap="square" rtlCol="0">
+            <a:spAutoFit/>
+          </a:bodyPr>
+          <a:lstStyle/>
+          <a:p>
+            <a:r>
+              <a:rPr lang="en-US" altLang="ja-JP" dirty="0"/>
+              <a:t>// $name</a:t>
+            </a:r>
+            <a:r>
+              <a:rPr lang="ja-JP" altLang="en-US" dirty="0"/>
+              <a:t> を利用して </a:t>
+            </a:r>
+            <a:r>
+              <a:rPr lang="en-US" altLang="ja-JP" dirty="0"/>
+              <a:t>$</a:t>
+            </a:r>
+            <a:r>
+              <a:rPr lang="en-US" altLang="ja-JP" dirty="0" err="1"/>
+              <a:t>nickName</a:t>
+            </a:r>
+            <a:r>
+              <a:rPr lang="ja-JP" altLang="en-US" dirty="0"/>
+              <a:t>に代入</a:t>
+            </a:r>
+            <a:endParaRPr lang="en-US" altLang="ja-JP" dirty="0"/>
+          </a:p>
+          <a:p>
+            <a:r>
+              <a:rPr kumimoji="1" lang="en-US" altLang="ja-JP" dirty="0"/>
+              <a:t>$</a:t>
+            </a:r>
+            <a:r>
+              <a:rPr kumimoji="1" lang="en-US" altLang="ja-JP" dirty="0" err="1"/>
+              <a:t>nickName</a:t>
+            </a:r>
+            <a:r>
+              <a:rPr kumimoji="1" lang="en-US" altLang="ja-JP" dirty="0"/>
+              <a:t> = $name;</a:t>
+            </a:r>
+            <a:endParaRPr kumimoji="1" lang="ja-JP" altLang="en-US" dirty="0"/>
+          </a:p>
+        </p:txBody>
+      </p:sp>
+      <p:sp>
+        <p:nvSpPr>
+          <p:cNvPr id="11" name="矢印: 下カーブ 10">
+            <a:extLst>
+              <a:ext uri="{FF2B5EF4-FFF2-40B4-BE49-F238E27FC236}">
+                <a16:creationId xmlns:a16="http://schemas.microsoft.com/office/drawing/2014/main" id="{6EBEFFC9-F965-3F46-1E83-E3D58C42DD71}"/>
+              </a:ext>
+            </a:extLst>
+          </p:cNvPr>
+          <p:cNvSpPr/>
+          <p:nvPr/>
+        </p:nvSpPr>
+        <p:spPr>
+          <a:xfrm rot="16200000" flipH="1">
+            <a:off x="241280" y="1308153"/>
+            <a:ext cx="2467932" cy="1579876"/>
+          </a:xfrm>
+          <a:prstGeom prst="curvedDownArrow">
+            <a:avLst/>
+          </a:prstGeom>
+        </p:spPr>
+        <p:style>
+          <a:lnRef idx="2">
+            <a:schemeClr val="accent1">
+              <a:shade val="50000"/>
+            </a:schemeClr>
+          </a:lnRef>
+          <a:fillRef idx="1">
+            <a:schemeClr val="accent1"/>
+          </a:fillRef>
+          <a:effectRef idx="0">
+            <a:schemeClr val="accent1"/>
+          </a:effectRef>
+          <a:fontRef idx="minor">
+            <a:schemeClr val="lt1"/>
+          </a:fontRef>
+        </p:style>
+        <p:txBody>
+          <a:bodyPr rtlCol="0" anchor="ctr"/>
+          <a:lstStyle/>
+          <a:p>
+            <a:pPr algn="ctr"/>
+            <a:endParaRPr kumimoji="1" lang="ja-JP" altLang="en-US" dirty="0">
+              <a:solidFill>
+                <a:schemeClr val="tx1"/>
+              </a:solidFill>
+            </a:endParaRPr>
+          </a:p>
+        </p:txBody>
+      </p:sp>
+      <p:sp>
+        <p:nvSpPr>
+          <p:cNvPr id="12" name="テキスト ボックス 11">
+            <a:extLst>
+              <a:ext uri="{FF2B5EF4-FFF2-40B4-BE49-F238E27FC236}">
+                <a16:creationId xmlns:a16="http://schemas.microsoft.com/office/drawing/2014/main" id="{5DEAA572-3BD7-4A4F-3D83-C9D6C6A35A4D}"/>
+              </a:ext>
+            </a:extLst>
+          </p:cNvPr>
+          <p:cNvSpPr txBox="1"/>
+          <p:nvPr/>
+        </p:nvSpPr>
+        <p:spPr>
+          <a:xfrm>
+            <a:off x="2561837" y="2607757"/>
+            <a:ext cx="971290" cy="338554"/>
+          </a:xfrm>
+          <a:prstGeom prst="rect">
+            <a:avLst/>
+          </a:prstGeom>
+          <a:noFill/>
+        </p:spPr>
+        <p:txBody>
+          <a:bodyPr wrap="square" rtlCol="0">
+            <a:spAutoFit/>
+          </a:bodyPr>
+          <a:lstStyle/>
+          <a:p>
+            <a:r>
+              <a:rPr kumimoji="1" lang="en-US" altLang="ja-JP" sz="1600" dirty="0"/>
+              <a:t>‘</a:t>
+            </a:r>
+            <a:r>
+              <a:rPr kumimoji="1" lang="en-US" altLang="ja-JP" sz="1600" dirty="0" err="1"/>
+              <a:t>saburo</a:t>
+            </a:r>
+            <a:r>
+              <a:rPr kumimoji="1" lang="en-US" altLang="ja-JP" sz="1600" dirty="0"/>
+              <a:t>’</a:t>
+            </a:r>
+            <a:endParaRPr kumimoji="1" lang="ja-JP" altLang="en-US" sz="1600" dirty="0"/>
+          </a:p>
+        </p:txBody>
+      </p:sp>
+      <p:sp>
+        <p:nvSpPr>
+          <p:cNvPr id="15" name="テキスト ボックス 14">
+            <a:extLst>
+              <a:ext uri="{FF2B5EF4-FFF2-40B4-BE49-F238E27FC236}">
+                <a16:creationId xmlns:a16="http://schemas.microsoft.com/office/drawing/2014/main" id="{22E493D8-4F38-45B6-F190-D488671D4017}"/>
+              </a:ext>
+            </a:extLst>
+          </p:cNvPr>
+          <p:cNvSpPr txBox="1"/>
+          <p:nvPr/>
+        </p:nvSpPr>
+        <p:spPr>
+          <a:xfrm>
+            <a:off x="394008" y="3332057"/>
+            <a:ext cx="2061928" cy="584775"/>
+          </a:xfrm>
+          <a:prstGeom prst="rect">
+            <a:avLst/>
+          </a:prstGeom>
+          <a:noFill/>
+        </p:spPr>
+        <p:txBody>
+          <a:bodyPr wrap="square" rtlCol="0">
+            <a:spAutoFit/>
+          </a:bodyPr>
+          <a:lstStyle/>
+          <a:p>
+            <a:r>
+              <a:rPr kumimoji="1" lang="ja-JP" altLang="en-US" sz="1600" dirty="0"/>
+              <a:t>値が複製されて</a:t>
+            </a:r>
+            <a:endParaRPr kumimoji="1" lang="en-US" altLang="ja-JP" sz="1600" dirty="0"/>
+          </a:p>
+          <a:p>
+            <a:r>
+              <a:rPr lang="ja-JP" altLang="en-US" sz="1600" dirty="0"/>
+              <a:t>メモリに保存される</a:t>
+            </a:r>
+            <a:endParaRPr kumimoji="1" lang="ja-JP" altLang="en-US" sz="1600" dirty="0"/>
+          </a:p>
+        </p:txBody>
+      </p:sp>
+      <p:pic>
+        <p:nvPicPr>
+          <p:cNvPr id="20" name="図 19">
+            <a:extLst>
+              <a:ext uri="{FF2B5EF4-FFF2-40B4-BE49-F238E27FC236}">
+                <a16:creationId xmlns:a16="http://schemas.microsoft.com/office/drawing/2014/main" id="{2300E935-D2A6-5016-D7D0-DD528D57E9CB}"/>
+              </a:ext>
+            </a:extLst>
+          </p:cNvPr>
+          <p:cNvPicPr>
+            <a:picLocks noChangeAspect="1"/>
+          </p:cNvPicPr>
+          <p:nvPr/>
+        </p:nvPicPr>
+        <p:blipFill>
+          <a:blip r:embed="rId3"/>
+          <a:stretch>
+            <a:fillRect/>
+          </a:stretch>
+        </p:blipFill>
+        <p:spPr>
+          <a:xfrm>
+            <a:off x="8089541" y="1404784"/>
+            <a:ext cx="3755214" cy="3932880"/>
+          </a:xfrm>
+          <a:prstGeom prst="rect">
+            <a:avLst/>
+          </a:prstGeom>
+          <a:ln>
+            <a:solidFill>
+              <a:schemeClr val="tx1"/>
+            </a:solidFill>
+          </a:ln>
+        </p:spPr>
+      </p:pic>
+      <p:sp>
+        <p:nvSpPr>
+          <p:cNvPr id="21" name="テキスト ボックス 20">
+            <a:extLst>
+              <a:ext uri="{FF2B5EF4-FFF2-40B4-BE49-F238E27FC236}">
+                <a16:creationId xmlns:a16="http://schemas.microsoft.com/office/drawing/2014/main" id="{51D706ED-5600-CABF-812E-A74CB0161BBA}"/>
+              </a:ext>
+            </a:extLst>
+          </p:cNvPr>
+          <p:cNvSpPr txBox="1"/>
+          <p:nvPr/>
+        </p:nvSpPr>
+        <p:spPr>
+          <a:xfrm>
+            <a:off x="8131001" y="1895302"/>
+            <a:ext cx="2657266" cy="338554"/>
+          </a:xfrm>
+          <a:prstGeom prst="rect">
+            <a:avLst/>
+          </a:prstGeom>
+          <a:noFill/>
+        </p:spPr>
+        <p:txBody>
+          <a:bodyPr wrap="square" rtlCol="0">
+            <a:spAutoFit/>
+          </a:bodyPr>
+          <a:lstStyle/>
+          <a:p>
+            <a:r>
+              <a:rPr lang="en-US" altLang="ja-JP" sz="1600" dirty="0"/>
+              <a:t>$name: #0001 </a:t>
+            </a:r>
+            <a:r>
+              <a:rPr lang="ja-JP" altLang="en-US" sz="1600" dirty="0"/>
+              <a:t>を利用</a:t>
+            </a:r>
+            <a:endParaRPr lang="en-US" altLang="ja-JP" sz="1600" dirty="0"/>
+          </a:p>
+        </p:txBody>
+      </p:sp>
+      <p:sp>
+        <p:nvSpPr>
+          <p:cNvPr id="22" name="矢印: 右 21">
+            <a:extLst>
+              <a:ext uri="{FF2B5EF4-FFF2-40B4-BE49-F238E27FC236}">
+                <a16:creationId xmlns:a16="http://schemas.microsoft.com/office/drawing/2014/main" id="{84A77B66-0D68-799B-A398-B19862EB1671}"/>
+              </a:ext>
+            </a:extLst>
+          </p:cNvPr>
+          <p:cNvSpPr/>
+          <p:nvPr/>
+        </p:nvSpPr>
+        <p:spPr>
+          <a:xfrm>
+            <a:off x="6561428" y="3028922"/>
+            <a:ext cx="1270470" cy="684603"/>
+          </a:xfrm>
+          <a:prstGeom prst="rightArrow">
+            <a:avLst/>
+          </a:prstGeom>
+        </p:spPr>
+        <p:style>
+          <a:lnRef idx="2">
+            <a:schemeClr val="accent1">
+              <a:shade val="50000"/>
+            </a:schemeClr>
+          </a:lnRef>
+          <a:fillRef idx="1">
+            <a:schemeClr val="accent1"/>
+          </a:fillRef>
+          <a:effectRef idx="0">
+            <a:schemeClr val="accent1"/>
+          </a:effectRef>
+          <a:fontRef idx="minor">
+            <a:schemeClr val="lt1"/>
+          </a:fontRef>
+        </p:style>
+        <p:txBody>
+          <a:bodyPr rtlCol="0" anchor="ctr"/>
+          <a:lstStyle/>
+          <a:p>
+            <a:pPr algn="ctr"/>
+            <a:endParaRPr kumimoji="1" lang="ja-JP" altLang="en-US"/>
+          </a:p>
+        </p:txBody>
+      </p:sp>
+      <p:sp>
+        <p:nvSpPr>
+          <p:cNvPr id="23" name="テキスト ボックス 22">
+            <a:extLst>
+              <a:ext uri="{FF2B5EF4-FFF2-40B4-BE49-F238E27FC236}">
+                <a16:creationId xmlns:a16="http://schemas.microsoft.com/office/drawing/2014/main" id="{8C20F930-E1AF-981A-A000-1CC49367AE8A}"/>
+              </a:ext>
+            </a:extLst>
+          </p:cNvPr>
+          <p:cNvSpPr txBox="1"/>
+          <p:nvPr/>
+        </p:nvSpPr>
+        <p:spPr>
+          <a:xfrm>
+            <a:off x="6338563" y="3775638"/>
+            <a:ext cx="1750978" cy="646331"/>
+          </a:xfrm>
+          <a:prstGeom prst="rect">
+            <a:avLst/>
+          </a:prstGeom>
+          <a:noFill/>
+        </p:spPr>
+        <p:txBody>
+          <a:bodyPr wrap="square" rtlCol="0">
+            <a:spAutoFit/>
+          </a:bodyPr>
+          <a:lstStyle/>
+          <a:p>
+            <a:pPr algn="ctr"/>
+            <a:r>
+              <a:rPr lang="ja-JP" altLang="en-US" dirty="0"/>
+              <a:t>保存された</a:t>
+            </a:r>
+            <a:endParaRPr lang="en-US" altLang="ja-JP" dirty="0"/>
+          </a:p>
+          <a:p>
+            <a:pPr algn="ctr"/>
+            <a:r>
+              <a:rPr lang="en-US" altLang="ja-JP" dirty="0"/>
+              <a:t>ID</a:t>
+            </a:r>
+            <a:r>
+              <a:rPr lang="ja-JP" altLang="en-US" dirty="0"/>
+              <a:t>を管理</a:t>
+            </a:r>
+            <a:endParaRPr kumimoji="1" lang="ja-JP" altLang="en-US" dirty="0"/>
+          </a:p>
+        </p:txBody>
+      </p:sp>
+      <p:sp>
+        <p:nvSpPr>
+          <p:cNvPr id="13" name="テキスト ボックス 12">
+            <a:extLst>
+              <a:ext uri="{FF2B5EF4-FFF2-40B4-BE49-F238E27FC236}">
+                <a16:creationId xmlns:a16="http://schemas.microsoft.com/office/drawing/2014/main" id="{BBCF422B-F347-8F56-004D-CBF86E8CA71C}"/>
+              </a:ext>
+            </a:extLst>
+          </p:cNvPr>
+          <p:cNvSpPr txBox="1"/>
+          <p:nvPr/>
+        </p:nvSpPr>
+        <p:spPr>
+          <a:xfrm>
+            <a:off x="3870278" y="2607757"/>
+            <a:ext cx="971290" cy="338554"/>
+          </a:xfrm>
+          <a:prstGeom prst="rect">
+            <a:avLst/>
+          </a:prstGeom>
+          <a:noFill/>
+        </p:spPr>
+        <p:txBody>
+          <a:bodyPr wrap="square" rtlCol="0">
+            <a:spAutoFit/>
+          </a:bodyPr>
+          <a:lstStyle/>
+          <a:p>
+            <a:r>
+              <a:rPr kumimoji="1" lang="en-US" altLang="ja-JP" sz="1600" dirty="0">
+                <a:solidFill>
+                  <a:srgbClr val="FF0000"/>
+                </a:solidFill>
+              </a:rPr>
+              <a:t>‘</a:t>
+            </a:r>
+            <a:r>
+              <a:rPr kumimoji="1" lang="en-US" altLang="ja-JP" sz="1600" dirty="0" err="1">
+                <a:solidFill>
+                  <a:srgbClr val="FF0000"/>
+                </a:solidFill>
+              </a:rPr>
+              <a:t>saburo</a:t>
+            </a:r>
+            <a:r>
+              <a:rPr kumimoji="1" lang="en-US" altLang="ja-JP" sz="1600" dirty="0">
+                <a:solidFill>
+                  <a:srgbClr val="FF0000"/>
+                </a:solidFill>
+              </a:rPr>
+              <a:t>’</a:t>
+            </a:r>
+            <a:endParaRPr kumimoji="1" lang="ja-JP" altLang="en-US" sz="1600" dirty="0">
+              <a:solidFill>
+                <a:srgbClr val="FF0000"/>
+              </a:solidFill>
+            </a:endParaRPr>
+          </a:p>
+        </p:txBody>
+      </p:sp>
+      <p:sp>
+        <p:nvSpPr>
+          <p:cNvPr id="14" name="テキスト ボックス 13">
+            <a:extLst>
+              <a:ext uri="{FF2B5EF4-FFF2-40B4-BE49-F238E27FC236}">
+                <a16:creationId xmlns:a16="http://schemas.microsoft.com/office/drawing/2014/main" id="{5B7E2468-4A0B-0BD1-B2B4-32BBB9CD45C1}"/>
+              </a:ext>
+            </a:extLst>
+          </p:cNvPr>
+          <p:cNvSpPr txBox="1"/>
+          <p:nvPr/>
+        </p:nvSpPr>
+        <p:spPr>
+          <a:xfrm>
+            <a:off x="8131001" y="2343208"/>
+            <a:ext cx="2657266" cy="338554"/>
+          </a:xfrm>
+          <a:prstGeom prst="rect">
+            <a:avLst/>
+          </a:prstGeom>
+          <a:noFill/>
+        </p:spPr>
+        <p:txBody>
+          <a:bodyPr wrap="square" rtlCol="0">
+            <a:spAutoFit/>
+          </a:bodyPr>
+          <a:lstStyle/>
+          <a:p>
+            <a:r>
+              <a:rPr lang="en-US" altLang="ja-JP" sz="1600" dirty="0">
+                <a:solidFill>
+                  <a:srgbClr val="FF0000"/>
+                </a:solidFill>
+              </a:rPr>
+              <a:t>$</a:t>
+            </a:r>
+            <a:r>
+              <a:rPr lang="en-US" altLang="ja-JP" sz="1600" dirty="0" err="1">
+                <a:solidFill>
+                  <a:srgbClr val="FF0000"/>
+                </a:solidFill>
+              </a:rPr>
+              <a:t>nickName</a:t>
+            </a:r>
+            <a:r>
+              <a:rPr lang="en-US" altLang="ja-JP" sz="1600" dirty="0">
+                <a:solidFill>
+                  <a:srgbClr val="FF0000"/>
+                </a:solidFill>
+              </a:rPr>
+              <a:t>: #0002 </a:t>
+            </a:r>
+            <a:r>
+              <a:rPr lang="ja-JP" altLang="en-US" sz="1600" dirty="0">
+                <a:solidFill>
+                  <a:srgbClr val="FF0000"/>
+                </a:solidFill>
+              </a:rPr>
+              <a:t>を利用</a:t>
+            </a:r>
+            <a:endParaRPr kumimoji="1" lang="ja-JP" altLang="en-US" sz="1600" dirty="0">
+              <a:solidFill>
+                <a:srgbClr val="FF0000"/>
+              </a:solidFill>
+            </a:endParaRPr>
+          </a:p>
+        </p:txBody>
+      </p:sp>
+      <p:sp>
+        <p:nvSpPr>
+          <p:cNvPr id="17" name="テキスト ボックス 16">
+            <a:extLst>
+              <a:ext uri="{FF2B5EF4-FFF2-40B4-BE49-F238E27FC236}">
+                <a16:creationId xmlns:a16="http://schemas.microsoft.com/office/drawing/2014/main" id="{50E4E7C1-A56B-1136-7F03-0EF3AC8DCFAA}"/>
+              </a:ext>
+            </a:extLst>
+          </p:cNvPr>
+          <p:cNvSpPr txBox="1"/>
+          <p:nvPr/>
+        </p:nvSpPr>
+        <p:spPr>
+          <a:xfrm>
+            <a:off x="8131001" y="1438293"/>
+            <a:ext cx="3678975" cy="369332"/>
+          </a:xfrm>
+          <a:prstGeom prst="rect">
+            <a:avLst/>
+          </a:prstGeom>
+          <a:solidFill>
+            <a:schemeClr val="accent6">
+              <a:lumMod val="20000"/>
+              <a:lumOff val="80000"/>
+            </a:schemeClr>
+          </a:solidFill>
+        </p:spPr>
+        <p:txBody>
+          <a:bodyPr wrap="square" rtlCol="0">
+            <a:spAutoFit/>
+          </a:bodyPr>
+          <a:lstStyle/>
+          <a:p>
+            <a:pPr algn="ctr"/>
+            <a:r>
+              <a:rPr kumimoji="1" lang="ja-JP" altLang="en-US" dirty="0"/>
+              <a:t>メモリの管理</a:t>
+            </a:r>
+          </a:p>
+        </p:txBody>
+      </p:sp>
     </p:spTree>
     <p:extLst>
       <p:ext uri="{BB962C8B-B14F-4D97-AF65-F5344CB8AC3E}">
-        <p14:creationId xmlns:p14="http://schemas.microsoft.com/office/powerpoint/2010/main" val="3060607568"/>
+        <p14:creationId xmlns:p14="http://schemas.microsoft.com/office/powerpoint/2010/main" val="3188311011"/>
+      </p:ext>
+    </p:extLst>
+  </p:cSld>
+  <p:clrMapOvr>
+    <a:masterClrMapping/>
+  </p:clrMapOvr>
+</p:sld>
+</file>
+
+<file path=ppt/slides/slide9.xml><?xml version="1.0" encoding="utf-8"?>
+<p:sld xmlns:a="http://schemas.openxmlformats.org/drawingml/2006/main" xmlns:r="http://schemas.openxmlformats.org/officeDocument/2006/relationships" xmlns:p="http://schemas.openxmlformats.org/presentationml/2006/main">
+  <p:cSld>
+    <p:spTree>
+      <p:nvGrpSpPr>
+        <p:cNvPr id="1" name=""/>
+        <p:cNvGrpSpPr/>
+        <p:nvPr/>
+      </p:nvGrpSpPr>
+      <p:grpSpPr>
+        <a:xfrm>
+          <a:off x="0" y="0"/>
+          <a:ext cx="0" cy="0"/>
+          <a:chOff x="0" y="0"/>
+          <a:chExt cx="0" cy="0"/>
+        </a:xfrm>
+      </p:grpSpPr>
+      <p:sp>
+        <p:nvSpPr>
+          <p:cNvPr id="16" name="正方形/長方形 15">
+            <a:extLst>
+              <a:ext uri="{FF2B5EF4-FFF2-40B4-BE49-F238E27FC236}">
+                <a16:creationId xmlns:a16="http://schemas.microsoft.com/office/drawing/2014/main" id="{015FCA04-8BE9-0E5F-5013-5BE7F84D3163}"/>
+              </a:ext>
+            </a:extLst>
+          </p:cNvPr>
+          <p:cNvSpPr/>
+          <p:nvPr/>
+        </p:nvSpPr>
+        <p:spPr>
+          <a:xfrm>
+            <a:off x="346133" y="387202"/>
+            <a:ext cx="11802940" cy="6184828"/>
+          </a:xfrm>
+          <a:prstGeom prst="rect">
+            <a:avLst/>
+          </a:prstGeom>
+          <a:solidFill>
+            <a:schemeClr val="bg1"/>
+          </a:solidFill>
+        </p:spPr>
+        <p:style>
+          <a:lnRef idx="2">
+            <a:schemeClr val="dk1">
+              <a:shade val="50000"/>
+            </a:schemeClr>
+          </a:lnRef>
+          <a:fillRef idx="1">
+            <a:schemeClr val="dk1"/>
+          </a:fillRef>
+          <a:effectRef idx="0">
+            <a:schemeClr val="dk1"/>
+          </a:effectRef>
+          <a:fontRef idx="minor">
+            <a:schemeClr val="lt1"/>
+          </a:fontRef>
+        </p:style>
+        <p:txBody>
+          <a:bodyPr rtlCol="0" anchor="ctr"/>
+          <a:lstStyle/>
+          <a:p>
+            <a:pPr algn="ctr"/>
+            <a:endParaRPr kumimoji="1" lang="ja-JP" altLang="en-US"/>
+          </a:p>
+        </p:txBody>
+      </p:sp>
+      <p:pic>
+        <p:nvPicPr>
+          <p:cNvPr id="18" name="図 17">
+            <a:extLst>
+              <a:ext uri="{FF2B5EF4-FFF2-40B4-BE49-F238E27FC236}">
+                <a16:creationId xmlns:a16="http://schemas.microsoft.com/office/drawing/2014/main" id="{250D0211-5752-B7F9-3762-E45783A52229}"/>
+              </a:ext>
+            </a:extLst>
+          </p:cNvPr>
+          <p:cNvPicPr>
+            <a:picLocks noChangeAspect="1"/>
+          </p:cNvPicPr>
+          <p:nvPr/>
+        </p:nvPicPr>
+        <p:blipFill>
+          <a:blip r:embed="rId2"/>
+          <a:stretch>
+            <a:fillRect/>
+          </a:stretch>
+        </p:blipFill>
+        <p:spPr>
+          <a:xfrm>
+            <a:off x="2408061" y="1404784"/>
+            <a:ext cx="3895725" cy="4905375"/>
+          </a:xfrm>
+          <a:prstGeom prst="rect">
+            <a:avLst/>
+          </a:prstGeom>
+          <a:ln>
+            <a:solidFill>
+              <a:schemeClr val="tx1"/>
+            </a:solidFill>
+          </a:ln>
+        </p:spPr>
+      </p:pic>
+      <p:sp>
+        <p:nvSpPr>
+          <p:cNvPr id="8" name="テキスト ボックス 7">
+            <a:extLst>
+              <a:ext uri="{FF2B5EF4-FFF2-40B4-BE49-F238E27FC236}">
+                <a16:creationId xmlns:a16="http://schemas.microsoft.com/office/drawing/2014/main" id="{BB8D884A-4E37-48E0-9FA8-5F1C2A9886E2}"/>
+              </a:ext>
+            </a:extLst>
+          </p:cNvPr>
+          <p:cNvSpPr txBox="1"/>
+          <p:nvPr/>
+        </p:nvSpPr>
+        <p:spPr>
+          <a:xfrm>
+            <a:off x="2381603" y="696536"/>
+            <a:ext cx="6254929" cy="646331"/>
+          </a:xfrm>
+          <a:prstGeom prst="rect">
+            <a:avLst/>
+          </a:prstGeom>
+          <a:noFill/>
+        </p:spPr>
+        <p:txBody>
+          <a:bodyPr wrap="square" rtlCol="0">
+            <a:spAutoFit/>
+          </a:bodyPr>
+          <a:lstStyle/>
+          <a:p>
+            <a:r>
+              <a:rPr lang="en-US" altLang="ja-JP" dirty="0"/>
+              <a:t>// $name</a:t>
+            </a:r>
+            <a:r>
+              <a:rPr lang="ja-JP" altLang="en-US" dirty="0"/>
+              <a:t> を利用して </a:t>
+            </a:r>
+            <a:r>
+              <a:rPr lang="en-US" altLang="ja-JP" dirty="0"/>
+              <a:t>$</a:t>
+            </a:r>
+            <a:r>
+              <a:rPr lang="en-US" altLang="ja-JP" dirty="0" err="1"/>
+              <a:t>nickName</a:t>
+            </a:r>
+            <a:r>
+              <a:rPr lang="ja-JP" altLang="en-US" dirty="0"/>
+              <a:t>に参照渡しで代入</a:t>
+            </a:r>
+            <a:endParaRPr lang="en-US" altLang="ja-JP" dirty="0"/>
+          </a:p>
+          <a:p>
+            <a:r>
+              <a:rPr kumimoji="1" lang="en-US" altLang="ja-JP" dirty="0"/>
+              <a:t>$</a:t>
+            </a:r>
+            <a:r>
+              <a:rPr kumimoji="1" lang="en-US" altLang="ja-JP" dirty="0" err="1"/>
+              <a:t>nickName</a:t>
+            </a:r>
+            <a:r>
+              <a:rPr kumimoji="1" lang="en-US" altLang="ja-JP" dirty="0"/>
+              <a:t> =&amp;</a:t>
+            </a:r>
+            <a:r>
+              <a:rPr kumimoji="1" lang="ja-JP" altLang="en-US" dirty="0"/>
+              <a:t> </a:t>
+            </a:r>
+            <a:r>
+              <a:rPr kumimoji="1" lang="en-US" altLang="ja-JP" dirty="0"/>
+              <a:t>$name;</a:t>
+            </a:r>
+            <a:endParaRPr kumimoji="1" lang="ja-JP" altLang="en-US" dirty="0"/>
+          </a:p>
+        </p:txBody>
+      </p:sp>
+      <p:sp>
+        <p:nvSpPr>
+          <p:cNvPr id="11" name="矢印: 下カーブ 10">
+            <a:extLst>
+              <a:ext uri="{FF2B5EF4-FFF2-40B4-BE49-F238E27FC236}">
+                <a16:creationId xmlns:a16="http://schemas.microsoft.com/office/drawing/2014/main" id="{6EBEFFC9-F965-3F46-1E83-E3D58C42DD71}"/>
+              </a:ext>
+            </a:extLst>
+          </p:cNvPr>
+          <p:cNvSpPr/>
+          <p:nvPr/>
+        </p:nvSpPr>
+        <p:spPr>
+          <a:xfrm rot="16200000" flipH="1">
+            <a:off x="241280" y="1308153"/>
+            <a:ext cx="2467932" cy="1579876"/>
+          </a:xfrm>
+          <a:prstGeom prst="curvedDownArrow">
+            <a:avLst/>
+          </a:prstGeom>
+        </p:spPr>
+        <p:style>
+          <a:lnRef idx="2">
+            <a:schemeClr val="accent1">
+              <a:shade val="50000"/>
+            </a:schemeClr>
+          </a:lnRef>
+          <a:fillRef idx="1">
+            <a:schemeClr val="accent1"/>
+          </a:fillRef>
+          <a:effectRef idx="0">
+            <a:schemeClr val="accent1"/>
+          </a:effectRef>
+          <a:fontRef idx="minor">
+            <a:schemeClr val="lt1"/>
+          </a:fontRef>
+        </p:style>
+        <p:txBody>
+          <a:bodyPr rtlCol="0" anchor="ctr"/>
+          <a:lstStyle/>
+          <a:p>
+            <a:pPr algn="ctr"/>
+            <a:endParaRPr kumimoji="1" lang="ja-JP" altLang="en-US" dirty="0">
+              <a:solidFill>
+                <a:schemeClr val="tx1"/>
+              </a:solidFill>
+            </a:endParaRPr>
+          </a:p>
+        </p:txBody>
+      </p:sp>
+      <p:sp>
+        <p:nvSpPr>
+          <p:cNvPr id="12" name="テキスト ボックス 11">
+            <a:extLst>
+              <a:ext uri="{FF2B5EF4-FFF2-40B4-BE49-F238E27FC236}">
+                <a16:creationId xmlns:a16="http://schemas.microsoft.com/office/drawing/2014/main" id="{5DEAA572-3BD7-4A4F-3D83-C9D6C6A35A4D}"/>
+              </a:ext>
+            </a:extLst>
+          </p:cNvPr>
+          <p:cNvSpPr txBox="1"/>
+          <p:nvPr/>
+        </p:nvSpPr>
+        <p:spPr>
+          <a:xfrm>
+            <a:off x="2561837" y="2607757"/>
+            <a:ext cx="971290" cy="338554"/>
+          </a:xfrm>
+          <a:prstGeom prst="rect">
+            <a:avLst/>
+          </a:prstGeom>
+          <a:noFill/>
+        </p:spPr>
+        <p:txBody>
+          <a:bodyPr wrap="square" rtlCol="0">
+            <a:spAutoFit/>
+          </a:bodyPr>
+          <a:lstStyle/>
+          <a:p>
+            <a:r>
+              <a:rPr kumimoji="1" lang="en-US" altLang="ja-JP" sz="1600" dirty="0"/>
+              <a:t>‘</a:t>
+            </a:r>
+            <a:r>
+              <a:rPr kumimoji="1" lang="en-US" altLang="ja-JP" sz="1600" dirty="0" err="1"/>
+              <a:t>saburo</a:t>
+            </a:r>
+            <a:r>
+              <a:rPr kumimoji="1" lang="en-US" altLang="ja-JP" sz="1600" dirty="0"/>
+              <a:t>’</a:t>
+            </a:r>
+            <a:endParaRPr kumimoji="1" lang="ja-JP" altLang="en-US" sz="1600" dirty="0"/>
+          </a:p>
+        </p:txBody>
+      </p:sp>
+      <p:sp>
+        <p:nvSpPr>
+          <p:cNvPr id="15" name="テキスト ボックス 14">
+            <a:extLst>
+              <a:ext uri="{FF2B5EF4-FFF2-40B4-BE49-F238E27FC236}">
+                <a16:creationId xmlns:a16="http://schemas.microsoft.com/office/drawing/2014/main" id="{22E493D8-4F38-45B6-F190-D488671D4017}"/>
+              </a:ext>
+            </a:extLst>
+          </p:cNvPr>
+          <p:cNvSpPr txBox="1"/>
+          <p:nvPr/>
+        </p:nvSpPr>
+        <p:spPr>
+          <a:xfrm>
+            <a:off x="394008" y="3332057"/>
+            <a:ext cx="2061928" cy="584775"/>
+          </a:xfrm>
+          <a:prstGeom prst="rect">
+            <a:avLst/>
+          </a:prstGeom>
+          <a:noFill/>
+        </p:spPr>
+        <p:txBody>
+          <a:bodyPr wrap="square" rtlCol="0">
+            <a:spAutoFit/>
+          </a:bodyPr>
+          <a:lstStyle/>
+          <a:p>
+            <a:r>
+              <a:rPr kumimoji="1" lang="en-US" altLang="ja-JP" sz="1600" dirty="0"/>
+              <a:t>$name</a:t>
+            </a:r>
+            <a:r>
+              <a:rPr kumimoji="1" lang="ja-JP" altLang="en-US" sz="1600" dirty="0"/>
+              <a:t>と同じ</a:t>
+            </a:r>
+            <a:r>
+              <a:rPr kumimoji="1" lang="en-US" altLang="ja-JP" sz="1600" dirty="0"/>
+              <a:t>ID</a:t>
+            </a:r>
+            <a:r>
+              <a:rPr kumimoji="1" lang="ja-JP" altLang="en-US" sz="1600" dirty="0"/>
+              <a:t>の</a:t>
+            </a:r>
+            <a:endParaRPr kumimoji="1" lang="en-US" altLang="ja-JP" sz="1600" dirty="0"/>
+          </a:p>
+          <a:p>
+            <a:r>
+              <a:rPr lang="ja-JP" altLang="en-US" sz="1600" dirty="0"/>
+              <a:t>メモリに保存される</a:t>
+            </a:r>
+            <a:endParaRPr kumimoji="1" lang="ja-JP" altLang="en-US" sz="1600" dirty="0"/>
+          </a:p>
+        </p:txBody>
+      </p:sp>
+      <p:pic>
+        <p:nvPicPr>
+          <p:cNvPr id="20" name="図 19">
+            <a:extLst>
+              <a:ext uri="{FF2B5EF4-FFF2-40B4-BE49-F238E27FC236}">
+                <a16:creationId xmlns:a16="http://schemas.microsoft.com/office/drawing/2014/main" id="{2300E935-D2A6-5016-D7D0-DD528D57E9CB}"/>
+              </a:ext>
+            </a:extLst>
+          </p:cNvPr>
+          <p:cNvPicPr>
+            <a:picLocks noChangeAspect="1"/>
+          </p:cNvPicPr>
+          <p:nvPr/>
+        </p:nvPicPr>
+        <p:blipFill>
+          <a:blip r:embed="rId3"/>
+          <a:stretch>
+            <a:fillRect/>
+          </a:stretch>
+        </p:blipFill>
+        <p:spPr>
+          <a:xfrm>
+            <a:off x="8089541" y="1404784"/>
+            <a:ext cx="3755214" cy="3932880"/>
+          </a:xfrm>
+          <a:prstGeom prst="rect">
+            <a:avLst/>
+          </a:prstGeom>
+          <a:ln>
+            <a:solidFill>
+              <a:schemeClr val="tx1"/>
+            </a:solidFill>
+          </a:ln>
+        </p:spPr>
+      </p:pic>
+      <p:sp>
+        <p:nvSpPr>
+          <p:cNvPr id="21" name="テキスト ボックス 20">
+            <a:extLst>
+              <a:ext uri="{FF2B5EF4-FFF2-40B4-BE49-F238E27FC236}">
+                <a16:creationId xmlns:a16="http://schemas.microsoft.com/office/drawing/2014/main" id="{51D706ED-5600-CABF-812E-A74CB0161BBA}"/>
+              </a:ext>
+            </a:extLst>
+          </p:cNvPr>
+          <p:cNvSpPr txBox="1"/>
+          <p:nvPr/>
+        </p:nvSpPr>
+        <p:spPr>
+          <a:xfrm>
+            <a:off x="8131001" y="1895302"/>
+            <a:ext cx="2657266" cy="338554"/>
+          </a:xfrm>
+          <a:prstGeom prst="rect">
+            <a:avLst/>
+          </a:prstGeom>
+          <a:noFill/>
+        </p:spPr>
+        <p:txBody>
+          <a:bodyPr wrap="square" rtlCol="0">
+            <a:spAutoFit/>
+          </a:bodyPr>
+          <a:lstStyle/>
+          <a:p>
+            <a:r>
+              <a:rPr lang="en-US" altLang="ja-JP" sz="1600" dirty="0"/>
+              <a:t>$name: #0001 </a:t>
+            </a:r>
+            <a:r>
+              <a:rPr lang="ja-JP" altLang="en-US" sz="1600" dirty="0"/>
+              <a:t>を利用</a:t>
+            </a:r>
+            <a:endParaRPr lang="en-US" altLang="ja-JP" sz="1600" dirty="0"/>
+          </a:p>
+        </p:txBody>
+      </p:sp>
+      <p:sp>
+        <p:nvSpPr>
+          <p:cNvPr id="22" name="矢印: 右 21">
+            <a:extLst>
+              <a:ext uri="{FF2B5EF4-FFF2-40B4-BE49-F238E27FC236}">
+                <a16:creationId xmlns:a16="http://schemas.microsoft.com/office/drawing/2014/main" id="{84A77B66-0D68-799B-A398-B19862EB1671}"/>
+              </a:ext>
+            </a:extLst>
+          </p:cNvPr>
+          <p:cNvSpPr/>
+          <p:nvPr/>
+        </p:nvSpPr>
+        <p:spPr>
+          <a:xfrm>
+            <a:off x="6561428" y="3028922"/>
+            <a:ext cx="1270470" cy="684603"/>
+          </a:xfrm>
+          <a:prstGeom prst="rightArrow">
+            <a:avLst/>
+          </a:prstGeom>
+        </p:spPr>
+        <p:style>
+          <a:lnRef idx="2">
+            <a:schemeClr val="accent1">
+              <a:shade val="50000"/>
+            </a:schemeClr>
+          </a:lnRef>
+          <a:fillRef idx="1">
+            <a:schemeClr val="accent1"/>
+          </a:fillRef>
+          <a:effectRef idx="0">
+            <a:schemeClr val="accent1"/>
+          </a:effectRef>
+          <a:fontRef idx="minor">
+            <a:schemeClr val="lt1"/>
+          </a:fontRef>
+        </p:style>
+        <p:txBody>
+          <a:bodyPr rtlCol="0" anchor="ctr"/>
+          <a:lstStyle/>
+          <a:p>
+            <a:pPr algn="ctr"/>
+            <a:endParaRPr kumimoji="1" lang="ja-JP" altLang="en-US"/>
+          </a:p>
+        </p:txBody>
+      </p:sp>
+      <p:sp>
+        <p:nvSpPr>
+          <p:cNvPr id="23" name="テキスト ボックス 22">
+            <a:extLst>
+              <a:ext uri="{FF2B5EF4-FFF2-40B4-BE49-F238E27FC236}">
+                <a16:creationId xmlns:a16="http://schemas.microsoft.com/office/drawing/2014/main" id="{8C20F930-E1AF-981A-A000-1CC49367AE8A}"/>
+              </a:ext>
+            </a:extLst>
+          </p:cNvPr>
+          <p:cNvSpPr txBox="1"/>
+          <p:nvPr/>
+        </p:nvSpPr>
+        <p:spPr>
+          <a:xfrm>
+            <a:off x="6338563" y="3775638"/>
+            <a:ext cx="1750978" cy="646331"/>
+          </a:xfrm>
+          <a:prstGeom prst="rect">
+            <a:avLst/>
+          </a:prstGeom>
+          <a:noFill/>
+        </p:spPr>
+        <p:txBody>
+          <a:bodyPr wrap="square" rtlCol="0">
+            <a:spAutoFit/>
+          </a:bodyPr>
+          <a:lstStyle/>
+          <a:p>
+            <a:pPr algn="ctr"/>
+            <a:r>
+              <a:rPr lang="ja-JP" altLang="en-US" dirty="0"/>
+              <a:t>保存された</a:t>
+            </a:r>
+            <a:endParaRPr lang="en-US" altLang="ja-JP" dirty="0"/>
+          </a:p>
+          <a:p>
+            <a:pPr algn="ctr"/>
+            <a:r>
+              <a:rPr lang="en-US" altLang="ja-JP" dirty="0"/>
+              <a:t>ID</a:t>
+            </a:r>
+            <a:r>
+              <a:rPr lang="ja-JP" altLang="en-US" dirty="0"/>
+              <a:t>を管理</a:t>
+            </a:r>
+            <a:endParaRPr kumimoji="1" lang="ja-JP" altLang="en-US" dirty="0"/>
+          </a:p>
+        </p:txBody>
+      </p:sp>
+      <p:sp>
+        <p:nvSpPr>
+          <p:cNvPr id="14" name="テキスト ボックス 13">
+            <a:extLst>
+              <a:ext uri="{FF2B5EF4-FFF2-40B4-BE49-F238E27FC236}">
+                <a16:creationId xmlns:a16="http://schemas.microsoft.com/office/drawing/2014/main" id="{5B7E2468-4A0B-0BD1-B2B4-32BBB9CD45C1}"/>
+              </a:ext>
+            </a:extLst>
+          </p:cNvPr>
+          <p:cNvSpPr txBox="1"/>
+          <p:nvPr/>
+        </p:nvSpPr>
+        <p:spPr>
+          <a:xfrm>
+            <a:off x="8131001" y="2343208"/>
+            <a:ext cx="2657266" cy="338554"/>
+          </a:xfrm>
+          <a:prstGeom prst="rect">
+            <a:avLst/>
+          </a:prstGeom>
+          <a:noFill/>
+        </p:spPr>
+        <p:txBody>
+          <a:bodyPr wrap="square" rtlCol="0">
+            <a:spAutoFit/>
+          </a:bodyPr>
+          <a:lstStyle/>
+          <a:p>
+            <a:r>
+              <a:rPr lang="en-US" altLang="ja-JP" sz="1600" dirty="0">
+                <a:solidFill>
+                  <a:srgbClr val="FF0000"/>
+                </a:solidFill>
+              </a:rPr>
+              <a:t>$</a:t>
+            </a:r>
+            <a:r>
+              <a:rPr lang="en-US" altLang="ja-JP" sz="1600" dirty="0" err="1">
+                <a:solidFill>
+                  <a:srgbClr val="FF0000"/>
+                </a:solidFill>
+              </a:rPr>
+              <a:t>nickName</a:t>
+            </a:r>
+            <a:r>
+              <a:rPr lang="en-US" altLang="ja-JP" sz="1600" dirty="0">
+                <a:solidFill>
+                  <a:srgbClr val="FF0000"/>
+                </a:solidFill>
+              </a:rPr>
+              <a:t>: #0001 </a:t>
+            </a:r>
+            <a:r>
+              <a:rPr lang="ja-JP" altLang="en-US" sz="1600" dirty="0">
+                <a:solidFill>
+                  <a:srgbClr val="FF0000"/>
+                </a:solidFill>
+              </a:rPr>
+              <a:t>を利用</a:t>
+            </a:r>
+            <a:endParaRPr kumimoji="1" lang="ja-JP" altLang="en-US" sz="1600" dirty="0">
+              <a:solidFill>
+                <a:srgbClr val="FF0000"/>
+              </a:solidFill>
+            </a:endParaRPr>
+          </a:p>
+        </p:txBody>
+      </p:sp>
+      <p:sp>
+        <p:nvSpPr>
+          <p:cNvPr id="17" name="テキスト ボックス 16">
+            <a:extLst>
+              <a:ext uri="{FF2B5EF4-FFF2-40B4-BE49-F238E27FC236}">
+                <a16:creationId xmlns:a16="http://schemas.microsoft.com/office/drawing/2014/main" id="{946AA79C-9520-C9EC-DC3D-CDD3D08861F6}"/>
+              </a:ext>
+            </a:extLst>
+          </p:cNvPr>
+          <p:cNvSpPr txBox="1"/>
+          <p:nvPr/>
+        </p:nvSpPr>
+        <p:spPr>
+          <a:xfrm>
+            <a:off x="8131001" y="1438293"/>
+            <a:ext cx="3678975" cy="369332"/>
+          </a:xfrm>
+          <a:prstGeom prst="rect">
+            <a:avLst/>
+          </a:prstGeom>
+          <a:solidFill>
+            <a:schemeClr val="accent6">
+              <a:lumMod val="20000"/>
+              <a:lumOff val="80000"/>
+            </a:schemeClr>
+          </a:solidFill>
+        </p:spPr>
+        <p:txBody>
+          <a:bodyPr wrap="square" rtlCol="0">
+            <a:spAutoFit/>
+          </a:bodyPr>
+          <a:lstStyle/>
+          <a:p>
+            <a:pPr algn="ctr"/>
+            <a:r>
+              <a:rPr kumimoji="1" lang="ja-JP" altLang="en-US" dirty="0"/>
+              <a:t>メモリの管理</a:t>
+            </a:r>
+          </a:p>
+        </p:txBody>
+      </p:sp>
+      <p:sp>
+        <p:nvSpPr>
+          <p:cNvPr id="2" name="吹き出し: 角を丸めた四角形 1">
+            <a:extLst>
+              <a:ext uri="{FF2B5EF4-FFF2-40B4-BE49-F238E27FC236}">
+                <a16:creationId xmlns:a16="http://schemas.microsoft.com/office/drawing/2014/main" id="{658A1B74-C86B-4694-138D-DA3832B32B9A}"/>
+              </a:ext>
+            </a:extLst>
+          </p:cNvPr>
+          <p:cNvSpPr/>
+          <p:nvPr/>
+        </p:nvSpPr>
+        <p:spPr>
+          <a:xfrm>
+            <a:off x="8283059" y="3052623"/>
+            <a:ext cx="3368178" cy="904825"/>
+          </a:xfrm>
+          <a:prstGeom prst="wedgeRoundRectCallout">
+            <a:avLst>
+              <a:gd name="adj1" fmla="val -39964"/>
+              <a:gd name="adj2" fmla="val -84590"/>
+              <a:gd name="adj3" fmla="val 16667"/>
+            </a:avLst>
+          </a:prstGeom>
+        </p:spPr>
+        <p:style>
+          <a:lnRef idx="2">
+            <a:schemeClr val="accent1">
+              <a:shade val="50000"/>
+            </a:schemeClr>
+          </a:lnRef>
+          <a:fillRef idx="1">
+            <a:schemeClr val="accent1"/>
+          </a:fillRef>
+          <a:effectRef idx="0">
+            <a:schemeClr val="accent1"/>
+          </a:effectRef>
+          <a:fontRef idx="minor">
+            <a:schemeClr val="lt1"/>
+          </a:fontRef>
+        </p:style>
+        <p:txBody>
+          <a:bodyPr rtlCol="0" anchor="ctr"/>
+          <a:lstStyle/>
+          <a:p>
+            <a:pPr algn="ctr"/>
+            <a:r>
+              <a:rPr kumimoji="1" lang="en-US" altLang="ja-JP" dirty="0"/>
+              <a:t>$name, $</a:t>
+            </a:r>
+            <a:r>
+              <a:rPr kumimoji="1" lang="en-US" altLang="ja-JP" dirty="0" err="1"/>
+              <a:t>nickName</a:t>
+            </a:r>
+            <a:r>
+              <a:rPr kumimoji="1" lang="ja-JP" altLang="en-US" dirty="0"/>
+              <a:t>ともに</a:t>
+            </a:r>
+            <a:endParaRPr kumimoji="1" lang="en-US" altLang="ja-JP" dirty="0"/>
+          </a:p>
+          <a:p>
+            <a:pPr algn="ctr"/>
+            <a:r>
+              <a:rPr kumimoji="1" lang="ja-JP" altLang="en-US" dirty="0"/>
+              <a:t>メモリ領域上の同じ</a:t>
+            </a:r>
+            <a:r>
+              <a:rPr kumimoji="1" lang="en-US" altLang="ja-JP" dirty="0"/>
+              <a:t>ID</a:t>
+            </a:r>
+            <a:r>
+              <a:rPr kumimoji="1" lang="ja-JP" altLang="en-US" dirty="0"/>
+              <a:t>を指す</a:t>
+            </a:r>
+          </a:p>
+        </p:txBody>
+      </p:sp>
+    </p:spTree>
+    <p:extLst>
+      <p:ext uri="{BB962C8B-B14F-4D97-AF65-F5344CB8AC3E}">
+        <p14:creationId xmlns:p14="http://schemas.microsoft.com/office/powerpoint/2010/main" val="4285716379"/>
       </p:ext>
     </p:extLst>
   </p:cSld>
